--- a/S3.1_Linux_Installation.pptx
+++ b/S3.1_Linux_Installation.pptx
@@ -196,7 +196,7 @@
           <a:p>
             <a:fld id="{8569B522-8390-453B-A8F0-3C96BAC841F8}" type="datetimeFigureOut">
               <a:rPr lang="en-US" smtClean="0"/>
-              <a:t>5/9/2015</a:t>
+              <a:t>5/10/2015</a:t>
             </a:fld>
             <a:endParaRPr lang="en-US" dirty="0"/>
           </a:p>
@@ -632,6 +632,140 @@
           <a:p>
             <a:r>
               <a:rPr lang="en-US" dirty="0" smtClean="0"/>
+              <a:t>Can always </a:t>
+            </a:r>
+            <a:r>
+              <a:rPr lang="en-US" dirty="0" smtClean="0"/>
+              <a:t>add </a:t>
+            </a:r>
+            <a:r>
+              <a:rPr lang="en-US" dirty="0" smtClean="0"/>
+              <a:t>via</a:t>
+            </a:r>
+            <a:r>
+              <a:rPr lang="en-US" baseline="0" dirty="0" smtClean="0"/>
+              <a:t> </a:t>
+            </a:r>
+            <a:r>
+              <a:rPr lang="en-US" baseline="0" dirty="0" err="1" smtClean="0"/>
+              <a:t>distro</a:t>
+            </a:r>
+            <a:r>
+              <a:rPr lang="en-US" baseline="0" dirty="0" smtClean="0"/>
+              <a:t> packaging system, but need to be aware of version requirements</a:t>
+            </a:r>
+            <a:r>
+              <a:rPr lang="en-US" baseline="0" dirty="0" smtClean="0"/>
+              <a:t>.</a:t>
+            </a:r>
+          </a:p>
+          <a:p>
+            <a:r>
+              <a:rPr lang="en-US" dirty="0" smtClean="0"/>
+              <a:t>Ubuntu</a:t>
+            </a:r>
+            <a:r>
+              <a:rPr lang="en-US" baseline="0" dirty="0" smtClean="0"/>
+              <a:t> </a:t>
+            </a:r>
+            <a:r>
+              <a:rPr lang="en-US" baseline="0" smtClean="0"/>
+              <a:t>alternative: </a:t>
+            </a:r>
+            <a:r>
+              <a:rPr lang="en-US" smtClean="0"/>
+              <a:t>https</a:t>
+            </a:r>
+            <a:r>
+              <a:rPr lang="en-US" dirty="0" smtClean="0"/>
+              <a:t>://www.brightbox.com/docs/ruby/ubuntu/</a:t>
+            </a:r>
+            <a:endParaRPr lang="en-US" dirty="0"/>
+          </a:p>
+        </p:txBody>
+      </p:sp>
+      <p:sp>
+        <p:nvSpPr>
+          <p:cNvPr id="4" name="Slide Number Placeholder 3"/>
+          <p:cNvSpPr>
+            <a:spLocks noGrp="1"/>
+          </p:cNvSpPr>
+          <p:nvPr>
+            <p:ph type="sldNum" sz="quarter" idx="10"/>
+          </p:nvPr>
+        </p:nvSpPr>
+        <p:spPr/>
+        <p:txBody>
+          <a:bodyPr/>
+          <a:lstStyle/>
+          <a:p>
+            <a:fld id="{86E298D3-FAEC-4429-BBB2-6E24FE792F56}" type="slidenum">
+              <a:rPr lang="en-US" smtClean="0"/>
+              <a:t>2</a:t>
+            </a:fld>
+            <a:endParaRPr lang="en-US" dirty="0"/>
+          </a:p>
+        </p:txBody>
+      </p:sp>
+    </p:spTree>
+    <p:extLst>
+      <p:ext uri="{BB962C8B-B14F-4D97-AF65-F5344CB8AC3E}">
+        <p14:creationId xmlns:p14="http://schemas.microsoft.com/office/powerpoint/2010/main" val="3958339832"/>
+      </p:ext>
+    </p:extLst>
+  </p:cSld>
+  <p:clrMapOvr>
+    <a:masterClrMapping/>
+  </p:clrMapOvr>
+</p:notes>
+</file>
+
+<file path=ppt/notesSlides/notesSlide3.xml><?xml version="1.0" encoding="utf-8"?>
+<p:notes xmlns:a="http://schemas.openxmlformats.org/drawingml/2006/main" xmlns:r="http://schemas.openxmlformats.org/officeDocument/2006/relationships" xmlns:p="http://schemas.openxmlformats.org/presentationml/2006/main">
+  <p:cSld>
+    <p:spTree>
+      <p:nvGrpSpPr>
+        <p:cNvPr id="1" name=""/>
+        <p:cNvGrpSpPr/>
+        <p:nvPr/>
+      </p:nvGrpSpPr>
+      <p:grpSpPr>
+        <a:xfrm>
+          <a:off x="0" y="0"/>
+          <a:ext cx="0" cy="0"/>
+          <a:chOff x="0" y="0"/>
+          <a:chExt cx="0" cy="0"/>
+        </a:xfrm>
+      </p:grpSpPr>
+      <p:sp>
+        <p:nvSpPr>
+          <p:cNvPr id="2" name="Slide Image Placeholder 1"/>
+          <p:cNvSpPr>
+            <a:spLocks noGrp="1" noRot="1" noChangeAspect="1"/>
+          </p:cNvSpPr>
+          <p:nvPr>
+            <p:ph type="sldImg"/>
+          </p:nvPr>
+        </p:nvSpPr>
+        <p:spPr/>
+      </p:sp>
+      <p:sp>
+        <p:nvSpPr>
+          <p:cNvPr id="3" name="Notes Placeholder 2"/>
+          <p:cNvSpPr>
+            <a:spLocks noGrp="1"/>
+          </p:cNvSpPr>
+          <p:nvPr>
+            <p:ph type="body" idx="1"/>
+          </p:nvPr>
+        </p:nvSpPr>
+        <p:spPr/>
+        <p:txBody>
+          <a:bodyPr/>
+          <a:lstStyle/>
+          <a:p>
+            <a:r>
+              <a:rPr lang="en-US" dirty="0" smtClean="0"/>
               <a:t>Tested on Ubuntu</a:t>
             </a:r>
             <a:r>
@@ -678,7 +812,7 @@
 </p:notes>
 </file>
 
-<file path=ppt/notesSlides/notesSlide3.xml><?xml version="1.0" encoding="utf-8"?>
+<file path=ppt/notesSlides/notesSlide4.xml><?xml version="1.0" encoding="utf-8"?>
 <p:notes xmlns:a="http://schemas.openxmlformats.org/drawingml/2006/main" xmlns:r="http://schemas.openxmlformats.org/officeDocument/2006/relationships" xmlns:p="http://schemas.openxmlformats.org/presentationml/2006/main">
   <p:cSld>
     <p:spTree>
@@ -985,7 +1119,7 @@
                   </a:srgbClr>
                 </a:solidFill>
               </a:rPr>
-              <a:t>5/9/2015</a:t>
+              <a:t>5/10/2015</a:t>
             </a:fld>
             <a:endParaRPr lang="en-US" dirty="0">
               <a:solidFill>
@@ -1227,7 +1361,7 @@
                   </a:srgbClr>
                 </a:solidFill>
               </a:rPr>
-              <a:t>5/9/2015</a:t>
+              <a:t>5/10/2015</a:t>
             </a:fld>
             <a:endParaRPr lang="en-US" dirty="0">
               <a:solidFill>
@@ -1526,7 +1660,7 @@
               <a:pPr>
                 <a:defRPr/>
               </a:pPr>
-              <a:t>5/9/2015</a:t>
+              <a:t>5/10/2015</a:t>
             </a:fld>
             <a:endParaRPr lang="en-US" dirty="0">
               <a:solidFill>
@@ -1748,7 +1882,7 @@
               <a:pPr>
                 <a:defRPr/>
               </a:pPr>
-              <a:t>5/9/2015</a:t>
+              <a:t>5/10/2015</a:t>
             </a:fld>
             <a:endParaRPr lang="en-US" dirty="0">
               <a:solidFill>
@@ -2040,7 +2174,7 @@
               <a:pPr>
                 <a:defRPr/>
               </a:pPr>
-              <a:t>5/9/2015</a:t>
+              <a:t>5/10/2015</a:t>
             </a:fld>
             <a:endParaRPr lang="en-US" dirty="0">
               <a:solidFill>
@@ -2354,7 +2488,7 @@
               <a:pPr>
                 <a:defRPr/>
               </a:pPr>
-              <a:t>5/9/2015</a:t>
+              <a:t>5/10/2015</a:t>
             </a:fld>
             <a:endParaRPr lang="en-US" dirty="0">
               <a:solidFill>
@@ -2782,7 +2916,7 @@
               <a:pPr>
                 <a:defRPr/>
               </a:pPr>
-              <a:t>5/9/2015</a:t>
+              <a:t>5/10/2015</a:t>
             </a:fld>
             <a:endParaRPr lang="en-US" dirty="0">
               <a:solidFill>
@@ -2982,7 +3116,7 @@
               <a:pPr>
                 <a:defRPr/>
               </a:pPr>
-              <a:t>5/9/2015</a:t>
+              <a:t>5/10/2015</a:t>
             </a:fld>
             <a:endParaRPr lang="en-US" dirty="0">
               <a:solidFill>
@@ -3122,7 +3256,7 @@
               <a:pPr>
                 <a:defRPr/>
               </a:pPr>
-              <a:t>5/9/2015</a:t>
+              <a:t>5/10/2015</a:t>
             </a:fld>
             <a:endParaRPr lang="en-US" dirty="0">
               <a:solidFill>
@@ -3433,7 +3567,7 @@
               <a:pPr>
                 <a:defRPr/>
               </a:pPr>
-              <a:t>5/9/2015</a:t>
+              <a:t>5/10/2015</a:t>
             </a:fld>
             <a:endParaRPr lang="en-US" dirty="0">
               <a:solidFill>
@@ -3793,7 +3927,7 @@
               <a:pPr>
                 <a:defRPr/>
               </a:pPr>
-              <a:t>5/9/2015</a:t>
+              <a:t>5/10/2015</a:t>
             </a:fld>
             <a:endParaRPr lang="en-US" dirty="0">
               <a:solidFill>
@@ -4373,7 +4507,7 @@
                   </a:srgbClr>
                 </a:solidFill>
               </a:rPr>
-              <a:t>5/9/2015</a:t>
+              <a:t>5/10/2015</a:t>
             </a:fld>
             <a:endParaRPr lang="en-US" dirty="0">
               <a:solidFill>
@@ -4609,7 +4743,7 @@
               <a:pPr>
                 <a:defRPr/>
               </a:pPr>
-              <a:t>5/9/2015</a:t>
+              <a:t>5/10/2015</a:t>
             </a:fld>
             <a:endParaRPr lang="en-US" dirty="0">
               <a:solidFill>
@@ -4834,7 +4968,7 @@
               <a:pPr>
                 <a:defRPr/>
               </a:pPr>
-              <a:t>5/9/2015</a:t>
+              <a:t>5/10/2015</a:t>
             </a:fld>
             <a:endParaRPr lang="en-US" dirty="0">
               <a:solidFill>
@@ -5079,7 +5213,7 @@
                   </a:srgbClr>
                 </a:solidFill>
               </a:rPr>
-              <a:t>5/9/2015</a:t>
+              <a:t>5/10/2015</a:t>
             </a:fld>
             <a:endParaRPr lang="en-US" dirty="0">
               <a:solidFill>
@@ -5454,7 +5588,7 @@
                   </a:srgbClr>
                 </a:solidFill>
               </a:rPr>
-              <a:t>5/9/2015</a:t>
+              <a:t>5/10/2015</a:t>
             </a:fld>
             <a:endParaRPr lang="en-US" dirty="0">
               <a:solidFill>
@@ -5756,7 +5890,7 @@
                   </a:srgbClr>
                 </a:solidFill>
               </a:rPr>
-              <a:t>5/9/2015</a:t>
+              <a:t>5/10/2015</a:t>
             </a:fld>
             <a:endParaRPr lang="en-US" dirty="0">
               <a:solidFill>
@@ -5913,7 +6047,7 @@
                   </a:srgbClr>
                 </a:solidFill>
               </a:rPr>
-              <a:t>5/9/2015</a:t>
+              <a:t>5/10/2015</a:t>
             </a:fld>
             <a:endParaRPr lang="en-US" dirty="0">
               <a:solidFill>
@@ -6268,7 +6402,7 @@
                   </a:srgbClr>
                 </a:solidFill>
               </a:rPr>
-              <a:t>5/9/2015</a:t>
+              <a:t>5/10/2015</a:t>
             </a:fld>
             <a:endParaRPr lang="en-US" dirty="0">
               <a:solidFill>
@@ -6604,7 +6738,7 @@
                   </a:srgbClr>
                 </a:solidFill>
               </a:rPr>
-              <a:t>5/9/2015</a:t>
+              <a:t>5/10/2015</a:t>
             </a:fld>
             <a:endParaRPr lang="en-US" dirty="0">
               <a:solidFill>
@@ -6841,7 +6975,7 @@
                   </a:srgbClr>
                 </a:solidFill>
               </a:rPr>
-              <a:t>5/9/2015</a:t>
+              <a:t>5/10/2015</a:t>
             </a:fld>
             <a:endParaRPr lang="en-US" dirty="0">
               <a:solidFill>
@@ -7124,7 +7258,7 @@
             <a:fld id="{5AE4DD19-95FB-4280-9209-E7E1030A9938}" type="datetime1">
               <a:rPr lang="en-US" smtClean="0"/>
               <a:pPr/>
-              <a:t>5/9/2015</a:t>
+              <a:t>5/10/2015</a:t>
             </a:fld>
             <a:r>
               <a:rPr lang="en-US" dirty="0" smtClean="0"/>
@@ -8097,7 +8231,7 @@
                 </a:spcAft>
                 <a:defRPr/>
               </a:pPr>
-              <a:t>5/9/2015</a:t>
+              <a:t>5/10/2015</a:t>
             </a:fld>
             <a:endParaRPr lang="en-US" dirty="0">
               <a:solidFill>
@@ -8842,11 +8976,7 @@
             </a:br>
             <a:r>
               <a:rPr lang="en-US" sz="6000" spc="-150" dirty="0" smtClean="0"/>
-              <a:t>- </a:t>
-            </a:r>
-            <a:r>
-              <a:rPr lang="en-US" sz="6000" spc="-150" dirty="0" smtClean="0"/>
-              <a:t>Linux Installation</a:t>
+              <a:t>- Linux Installation</a:t>
             </a:r>
             <a:r>
               <a:rPr lang="en-US" sz="6600" spc="-150" dirty="0" smtClean="0"/>
@@ -9060,13 +9190,13 @@
             </a:r>
             <a:r>
               <a:rPr lang="en-US" dirty="0">
-                <a:hlinkClick r:id="rId2"/>
+                <a:hlinkClick r:id="rId3"/>
               </a:rPr>
               <a:t>https://</a:t>
             </a:r>
             <a:r>
               <a:rPr lang="en-US" dirty="0" smtClean="0">
-                <a:hlinkClick r:id="rId2"/>
+                <a:hlinkClick r:id="rId3"/>
               </a:rPr>
               <a:t>rvm.io/</a:t>
             </a:r>
@@ -9084,19 +9214,19 @@
             </a:r>
             <a:r>
               <a:rPr lang="en-US" dirty="0" smtClean="0">
-                <a:hlinkClick r:id="rId3"/>
+                <a:hlinkClick r:id="rId4"/>
               </a:rPr>
               <a:t>https</a:t>
             </a:r>
             <a:r>
               <a:rPr lang="en-US" dirty="0">
-                <a:hlinkClick r:id="rId3"/>
+                <a:hlinkClick r:id="rId4"/>
               </a:rPr>
               <a:t>://</a:t>
             </a:r>
             <a:r>
               <a:rPr lang="en-US" dirty="0" smtClean="0">
-                <a:hlinkClick r:id="rId3"/>
+                <a:hlinkClick r:id="rId4"/>
               </a:rPr>
               <a:t>github.com/sstephenson/rbenv</a:t>
             </a:r>
@@ -9114,19 +9244,19 @@
             </a:r>
             <a:r>
               <a:rPr lang="en-US" dirty="0" smtClean="0">
-                <a:hlinkClick r:id="rId4"/>
+                <a:hlinkClick r:id="rId5"/>
               </a:rPr>
               <a:t>https</a:t>
             </a:r>
             <a:r>
               <a:rPr lang="en-US" dirty="0">
-                <a:hlinkClick r:id="rId4"/>
+                <a:hlinkClick r:id="rId5"/>
               </a:rPr>
               <a:t>://</a:t>
             </a:r>
             <a:r>
               <a:rPr lang="en-US" dirty="0" smtClean="0">
-                <a:hlinkClick r:id="rId4"/>
+                <a:hlinkClick r:id="rId5"/>
               </a:rPr>
               <a:t>github.com/postmodern/chruby</a:t>
             </a:r>
@@ -9190,7 +9320,7 @@
                   </a:srgbClr>
                 </a:solidFill>
               </a:rPr>
-              <a:t>5/9/2015</a:t>
+              <a:t>5/10/2015</a:t>
             </a:fld>
             <a:endParaRPr lang="en-US" dirty="0">
               <a:solidFill>
@@ -9636,7 +9766,7 @@
                   </a:srgbClr>
                 </a:solidFill>
               </a:rPr>
-              <a:t>5/9/2015</a:t>
+              <a:t>5/10/2015</a:t>
             </a:fld>
             <a:endParaRPr lang="en-US" dirty="0">
               <a:solidFill>
@@ -10189,7 +10319,7 @@
                   </a:srgbClr>
                 </a:solidFill>
               </a:rPr>
-              <a:t>5/9/2015</a:t>
+              <a:t>5/10/2015</a:t>
             </a:fld>
             <a:endParaRPr lang="en-US" dirty="0">
               <a:solidFill>
